--- a/ppt 16-9/1498.一起赞美主.pptx
+++ b/ppt 16-9/1498.一起赞美主.pptx
@@ -5,7 +5,7 @@
     <p:sldMasterId id="2147483648" r:id="rId1"/>
   </p:sldMasterIdLst>
   <p:sldIdLst>
-    <p:sldId id="1073" r:id="rId2"/>
+    <p:sldId id="1074" r:id="rId2"/>
   </p:sldIdLst>
   <p:sldSz cx="12192000" cy="6858000"/>
   <p:notesSz cx="6858000" cy="9144000"/>
@@ -129,7 +129,7 @@
           <p:cNvPr id="2" name="标题 1">
             <a:extLst>
               <a:ext uri="{FF2B5EF4-FFF2-40B4-BE49-F238E27FC236}">
-                <a16:creationId xmlns:a16="http://schemas.microsoft.com/office/drawing/2014/main" id="{4E44830E-8167-6495-7583-D61118B251E6}"/>
+                <a16:creationId xmlns:a16="http://schemas.microsoft.com/office/drawing/2014/main" id="{001F28CD-A137-DAA4-DD8F-7A70E98D9956}"/>
               </a:ext>
             </a:extLst>
           </p:cNvPr>
@@ -166,7 +166,7 @@
           <p:cNvPr id="3" name="副标题 2">
             <a:extLst>
               <a:ext uri="{FF2B5EF4-FFF2-40B4-BE49-F238E27FC236}">
-                <a16:creationId xmlns:a16="http://schemas.microsoft.com/office/drawing/2014/main" id="{0080B998-5BC5-A606-7D4C-6F54F8CF6A00}"/>
+                <a16:creationId xmlns:a16="http://schemas.microsoft.com/office/drawing/2014/main" id="{0B5F85A9-45E8-9765-011D-8CC8AB4B1AFB}"/>
               </a:ext>
             </a:extLst>
           </p:cNvPr>
@@ -236,7 +236,7 @@
           <p:cNvPr id="4" name="日期占位符 3">
             <a:extLst>
               <a:ext uri="{FF2B5EF4-FFF2-40B4-BE49-F238E27FC236}">
-                <a16:creationId xmlns:a16="http://schemas.microsoft.com/office/drawing/2014/main" id="{62909ED0-4834-5A1A-ED8E-8E57FA1C711E}"/>
+                <a16:creationId xmlns:a16="http://schemas.microsoft.com/office/drawing/2014/main" id="{F28820FA-D159-AFB3-6D45-3E9A0B8914A0}"/>
               </a:ext>
             </a:extLst>
           </p:cNvPr>
@@ -252,7 +252,7 @@
           <a:bodyPr/>
           <a:lstStyle/>
           <a:p>
-            <a:fld id="{1D08710F-12CE-4EE5-BC9A-22646FD6EDA5}" type="datetimeFigureOut">
+            <a:fld id="{A4639DA8-D24B-4656-B1C1-64F402D92406}" type="datetimeFigureOut">
               <a:rPr lang="zh-CN" altLang="en-US" smtClean="0"/>
               <a:t>2024/3/10</a:t>
             </a:fld>
@@ -265,7 +265,7 @@
           <p:cNvPr id="5" name="页脚占位符 4">
             <a:extLst>
               <a:ext uri="{FF2B5EF4-FFF2-40B4-BE49-F238E27FC236}">
-                <a16:creationId xmlns:a16="http://schemas.microsoft.com/office/drawing/2014/main" id="{A1C7AB97-0696-1625-9237-4ACDECB2B35D}"/>
+                <a16:creationId xmlns:a16="http://schemas.microsoft.com/office/drawing/2014/main" id="{585F5C53-EA60-223F-38AB-81FE70C02395}"/>
               </a:ext>
             </a:extLst>
           </p:cNvPr>
@@ -290,7 +290,7 @@
           <p:cNvPr id="6" name="灯片编号占位符 5">
             <a:extLst>
               <a:ext uri="{FF2B5EF4-FFF2-40B4-BE49-F238E27FC236}">
-                <a16:creationId xmlns:a16="http://schemas.microsoft.com/office/drawing/2014/main" id="{E08B83E2-070D-6C8B-636E-4174418D7796}"/>
+                <a16:creationId xmlns:a16="http://schemas.microsoft.com/office/drawing/2014/main" id="{8363CCD1-1E9E-BE60-2412-30B8BE0CBF34}"/>
               </a:ext>
             </a:extLst>
           </p:cNvPr>
@@ -306,7 +306,7 @@
           <a:bodyPr/>
           <a:lstStyle/>
           <a:p>
-            <a:fld id="{000FE893-535D-41EA-8226-C77C86EEE677}" type="slidenum">
+            <a:fld id="{5D4DAA4B-0667-4025-9687-F74C6FA7E0AD}" type="slidenum">
               <a:rPr lang="zh-CN" altLang="en-US" smtClean="0"/>
               <a:t>‹#›</a:t>
             </a:fld>
@@ -317,7 +317,7 @@
     </p:spTree>
     <p:extLst>
       <p:ext uri="{BB962C8B-B14F-4D97-AF65-F5344CB8AC3E}">
-        <p14:creationId xmlns:p14="http://schemas.microsoft.com/office/powerpoint/2010/main" val="2519118341"/>
+        <p14:creationId xmlns:p14="http://schemas.microsoft.com/office/powerpoint/2010/main" val="1178470980"/>
       </p:ext>
     </p:extLst>
   </p:cSld>
@@ -349,7 +349,7 @@
           <p:cNvPr id="2" name="标题 1">
             <a:extLst>
               <a:ext uri="{FF2B5EF4-FFF2-40B4-BE49-F238E27FC236}">
-                <a16:creationId xmlns:a16="http://schemas.microsoft.com/office/drawing/2014/main" id="{72E79501-E567-9C79-1FFB-CF80C5A09CED}"/>
+                <a16:creationId xmlns:a16="http://schemas.microsoft.com/office/drawing/2014/main" id="{1F11EFF1-A369-8AE6-4BC2-474B43F894EA}"/>
               </a:ext>
             </a:extLst>
           </p:cNvPr>
@@ -377,7 +377,7 @@
           <p:cNvPr id="3" name="竖排文字占位符 2">
             <a:extLst>
               <a:ext uri="{FF2B5EF4-FFF2-40B4-BE49-F238E27FC236}">
-                <a16:creationId xmlns:a16="http://schemas.microsoft.com/office/drawing/2014/main" id="{B7189164-D5C4-132B-F6F2-ABCC03951826}"/>
+                <a16:creationId xmlns:a16="http://schemas.microsoft.com/office/drawing/2014/main" id="{483F11B6-DABF-BD01-0FB7-52612078E7B0}"/>
               </a:ext>
             </a:extLst>
           </p:cNvPr>
@@ -434,7 +434,7 @@
           <p:cNvPr id="4" name="日期占位符 3">
             <a:extLst>
               <a:ext uri="{FF2B5EF4-FFF2-40B4-BE49-F238E27FC236}">
-                <a16:creationId xmlns:a16="http://schemas.microsoft.com/office/drawing/2014/main" id="{8AD8361B-C092-7064-DB31-A6F21E81DB9F}"/>
+                <a16:creationId xmlns:a16="http://schemas.microsoft.com/office/drawing/2014/main" id="{B91D1EBE-0769-BC6F-8103-87B5EE443067}"/>
               </a:ext>
             </a:extLst>
           </p:cNvPr>
@@ -450,7 +450,7 @@
           <a:bodyPr/>
           <a:lstStyle/>
           <a:p>
-            <a:fld id="{1D08710F-12CE-4EE5-BC9A-22646FD6EDA5}" type="datetimeFigureOut">
+            <a:fld id="{A4639DA8-D24B-4656-B1C1-64F402D92406}" type="datetimeFigureOut">
               <a:rPr lang="zh-CN" altLang="en-US" smtClean="0"/>
               <a:t>2024/3/10</a:t>
             </a:fld>
@@ -463,7 +463,7 @@
           <p:cNvPr id="5" name="页脚占位符 4">
             <a:extLst>
               <a:ext uri="{FF2B5EF4-FFF2-40B4-BE49-F238E27FC236}">
-                <a16:creationId xmlns:a16="http://schemas.microsoft.com/office/drawing/2014/main" id="{F7B48495-DF2D-7F20-EF39-E5CA8D0BCA09}"/>
+                <a16:creationId xmlns:a16="http://schemas.microsoft.com/office/drawing/2014/main" id="{2B7CBD0E-509E-8274-5367-9BBBB06C4271}"/>
               </a:ext>
             </a:extLst>
           </p:cNvPr>
@@ -488,7 +488,7 @@
           <p:cNvPr id="6" name="灯片编号占位符 5">
             <a:extLst>
               <a:ext uri="{FF2B5EF4-FFF2-40B4-BE49-F238E27FC236}">
-                <a16:creationId xmlns:a16="http://schemas.microsoft.com/office/drawing/2014/main" id="{2A066052-D3CA-92DE-6BC7-F2D8E5FFEB1C}"/>
+                <a16:creationId xmlns:a16="http://schemas.microsoft.com/office/drawing/2014/main" id="{D8C3B787-9D26-AF9C-E441-9212F8904B51}"/>
               </a:ext>
             </a:extLst>
           </p:cNvPr>
@@ -504,7 +504,7 @@
           <a:bodyPr/>
           <a:lstStyle/>
           <a:p>
-            <a:fld id="{000FE893-535D-41EA-8226-C77C86EEE677}" type="slidenum">
+            <a:fld id="{5D4DAA4B-0667-4025-9687-F74C6FA7E0AD}" type="slidenum">
               <a:rPr lang="zh-CN" altLang="en-US" smtClean="0"/>
               <a:t>‹#›</a:t>
             </a:fld>
@@ -515,7 +515,7 @@
     </p:spTree>
     <p:extLst>
       <p:ext uri="{BB962C8B-B14F-4D97-AF65-F5344CB8AC3E}">
-        <p14:creationId xmlns:p14="http://schemas.microsoft.com/office/powerpoint/2010/main" val="417981708"/>
+        <p14:creationId xmlns:p14="http://schemas.microsoft.com/office/powerpoint/2010/main" val="1829304233"/>
       </p:ext>
     </p:extLst>
   </p:cSld>
@@ -547,7 +547,7 @@
           <p:cNvPr id="2" name="竖排标题 1">
             <a:extLst>
               <a:ext uri="{FF2B5EF4-FFF2-40B4-BE49-F238E27FC236}">
-                <a16:creationId xmlns:a16="http://schemas.microsoft.com/office/drawing/2014/main" id="{E2ECD49D-3EA8-0856-703B-856CA725C549}"/>
+                <a16:creationId xmlns:a16="http://schemas.microsoft.com/office/drawing/2014/main" id="{25ECA3D3-CD8C-5E99-5043-BA6078F76180}"/>
               </a:ext>
             </a:extLst>
           </p:cNvPr>
@@ -580,7 +580,7 @@
           <p:cNvPr id="3" name="竖排文字占位符 2">
             <a:extLst>
               <a:ext uri="{FF2B5EF4-FFF2-40B4-BE49-F238E27FC236}">
-                <a16:creationId xmlns:a16="http://schemas.microsoft.com/office/drawing/2014/main" id="{2062B26A-20F8-0DF4-076B-9C0F66178E87}"/>
+                <a16:creationId xmlns:a16="http://schemas.microsoft.com/office/drawing/2014/main" id="{DAE3C5EE-526E-71D5-0E8D-55BCC006D8B5}"/>
               </a:ext>
             </a:extLst>
           </p:cNvPr>
@@ -642,7 +642,7 @@
           <p:cNvPr id="4" name="日期占位符 3">
             <a:extLst>
               <a:ext uri="{FF2B5EF4-FFF2-40B4-BE49-F238E27FC236}">
-                <a16:creationId xmlns:a16="http://schemas.microsoft.com/office/drawing/2014/main" id="{CF974712-F433-B96A-B71D-8AE7632E3C1D}"/>
+                <a16:creationId xmlns:a16="http://schemas.microsoft.com/office/drawing/2014/main" id="{015B49E7-6758-5EC1-A63A-CF47F1D0CE4A}"/>
               </a:ext>
             </a:extLst>
           </p:cNvPr>
@@ -658,7 +658,7 @@
           <a:bodyPr/>
           <a:lstStyle/>
           <a:p>
-            <a:fld id="{1D08710F-12CE-4EE5-BC9A-22646FD6EDA5}" type="datetimeFigureOut">
+            <a:fld id="{A4639DA8-D24B-4656-B1C1-64F402D92406}" type="datetimeFigureOut">
               <a:rPr lang="zh-CN" altLang="en-US" smtClean="0"/>
               <a:t>2024/3/10</a:t>
             </a:fld>
@@ -671,7 +671,7 @@
           <p:cNvPr id="5" name="页脚占位符 4">
             <a:extLst>
               <a:ext uri="{FF2B5EF4-FFF2-40B4-BE49-F238E27FC236}">
-                <a16:creationId xmlns:a16="http://schemas.microsoft.com/office/drawing/2014/main" id="{6E1915B6-ECA2-8AAB-257B-450613AA8C87}"/>
+                <a16:creationId xmlns:a16="http://schemas.microsoft.com/office/drawing/2014/main" id="{2DAABCD6-3519-7C0E-A6A6-256AE5DC6B9A}"/>
               </a:ext>
             </a:extLst>
           </p:cNvPr>
@@ -696,7 +696,7 @@
           <p:cNvPr id="6" name="灯片编号占位符 5">
             <a:extLst>
               <a:ext uri="{FF2B5EF4-FFF2-40B4-BE49-F238E27FC236}">
-                <a16:creationId xmlns:a16="http://schemas.microsoft.com/office/drawing/2014/main" id="{683004DE-B77E-1BF3-2AF6-ADC47B7AB9BA}"/>
+                <a16:creationId xmlns:a16="http://schemas.microsoft.com/office/drawing/2014/main" id="{A72261B7-E048-40E1-1C09-62744064BFBF}"/>
               </a:ext>
             </a:extLst>
           </p:cNvPr>
@@ -712,7 +712,7 @@
           <a:bodyPr/>
           <a:lstStyle/>
           <a:p>
-            <a:fld id="{000FE893-535D-41EA-8226-C77C86EEE677}" type="slidenum">
+            <a:fld id="{5D4DAA4B-0667-4025-9687-F74C6FA7E0AD}" type="slidenum">
               <a:rPr lang="zh-CN" altLang="en-US" smtClean="0"/>
               <a:t>‹#›</a:t>
             </a:fld>
@@ -723,7 +723,7 @@
     </p:spTree>
     <p:extLst>
       <p:ext uri="{BB962C8B-B14F-4D97-AF65-F5344CB8AC3E}">
-        <p14:creationId xmlns:p14="http://schemas.microsoft.com/office/powerpoint/2010/main" val="89072174"/>
+        <p14:creationId xmlns:p14="http://schemas.microsoft.com/office/powerpoint/2010/main" val="2224181097"/>
       </p:ext>
     </p:extLst>
   </p:cSld>
@@ -755,7 +755,7 @@
           <p:cNvPr id="2" name="标题 1">
             <a:extLst>
               <a:ext uri="{FF2B5EF4-FFF2-40B4-BE49-F238E27FC236}">
-                <a16:creationId xmlns:a16="http://schemas.microsoft.com/office/drawing/2014/main" id="{CA5BB7A0-D692-AC94-6362-2B65F9085BF8}"/>
+                <a16:creationId xmlns:a16="http://schemas.microsoft.com/office/drawing/2014/main" id="{F6EF791E-AA67-498E-9967-B9B401963C0C}"/>
               </a:ext>
             </a:extLst>
           </p:cNvPr>
@@ -783,7 +783,7 @@
           <p:cNvPr id="3" name="内容占位符 2">
             <a:extLst>
               <a:ext uri="{FF2B5EF4-FFF2-40B4-BE49-F238E27FC236}">
-                <a16:creationId xmlns:a16="http://schemas.microsoft.com/office/drawing/2014/main" id="{57ED8A03-7E1D-AEA9-65EF-2DACB20B55F2}"/>
+                <a16:creationId xmlns:a16="http://schemas.microsoft.com/office/drawing/2014/main" id="{76AF96B5-2901-9882-27A0-8A1A6714562A}"/>
               </a:ext>
             </a:extLst>
           </p:cNvPr>
@@ -840,7 +840,7 @@
           <p:cNvPr id="4" name="日期占位符 3">
             <a:extLst>
               <a:ext uri="{FF2B5EF4-FFF2-40B4-BE49-F238E27FC236}">
-                <a16:creationId xmlns:a16="http://schemas.microsoft.com/office/drawing/2014/main" id="{CB790277-1A47-4BD1-CBB9-D191937610ED}"/>
+                <a16:creationId xmlns:a16="http://schemas.microsoft.com/office/drawing/2014/main" id="{3C32CE39-F58F-EA4F-AAD1-4261451B3A8D}"/>
               </a:ext>
             </a:extLst>
           </p:cNvPr>
@@ -856,7 +856,7 @@
           <a:bodyPr/>
           <a:lstStyle/>
           <a:p>
-            <a:fld id="{1D08710F-12CE-4EE5-BC9A-22646FD6EDA5}" type="datetimeFigureOut">
+            <a:fld id="{A4639DA8-D24B-4656-B1C1-64F402D92406}" type="datetimeFigureOut">
               <a:rPr lang="zh-CN" altLang="en-US" smtClean="0"/>
               <a:t>2024/3/10</a:t>
             </a:fld>
@@ -869,7 +869,7 @@
           <p:cNvPr id="5" name="页脚占位符 4">
             <a:extLst>
               <a:ext uri="{FF2B5EF4-FFF2-40B4-BE49-F238E27FC236}">
-                <a16:creationId xmlns:a16="http://schemas.microsoft.com/office/drawing/2014/main" id="{ED4010D4-E379-FE93-C5DE-3C638E889C87}"/>
+                <a16:creationId xmlns:a16="http://schemas.microsoft.com/office/drawing/2014/main" id="{DE73F2C0-F82E-7492-9656-FD05D71CC7DD}"/>
               </a:ext>
             </a:extLst>
           </p:cNvPr>
@@ -894,7 +894,7 @@
           <p:cNvPr id="6" name="灯片编号占位符 5">
             <a:extLst>
               <a:ext uri="{FF2B5EF4-FFF2-40B4-BE49-F238E27FC236}">
-                <a16:creationId xmlns:a16="http://schemas.microsoft.com/office/drawing/2014/main" id="{50A82DA5-A2B2-291C-E394-2725D731C9B9}"/>
+                <a16:creationId xmlns:a16="http://schemas.microsoft.com/office/drawing/2014/main" id="{30438270-755E-CDA3-A6B7-9672E03E62A1}"/>
               </a:ext>
             </a:extLst>
           </p:cNvPr>
@@ -910,7 +910,7 @@
           <a:bodyPr/>
           <a:lstStyle/>
           <a:p>
-            <a:fld id="{000FE893-535D-41EA-8226-C77C86EEE677}" type="slidenum">
+            <a:fld id="{5D4DAA4B-0667-4025-9687-F74C6FA7E0AD}" type="slidenum">
               <a:rPr lang="zh-CN" altLang="en-US" smtClean="0"/>
               <a:t>‹#›</a:t>
             </a:fld>
@@ -921,7 +921,7 @@
     </p:spTree>
     <p:extLst>
       <p:ext uri="{BB962C8B-B14F-4D97-AF65-F5344CB8AC3E}">
-        <p14:creationId xmlns:p14="http://schemas.microsoft.com/office/powerpoint/2010/main" val="263388996"/>
+        <p14:creationId xmlns:p14="http://schemas.microsoft.com/office/powerpoint/2010/main" val="404689997"/>
       </p:ext>
     </p:extLst>
   </p:cSld>
@@ -953,7 +953,7 @@
           <p:cNvPr id="2" name="标题 1">
             <a:extLst>
               <a:ext uri="{FF2B5EF4-FFF2-40B4-BE49-F238E27FC236}">
-                <a16:creationId xmlns:a16="http://schemas.microsoft.com/office/drawing/2014/main" id="{E2EB204D-517B-18DD-834F-AF1AA02C6F8A}"/>
+                <a16:creationId xmlns:a16="http://schemas.microsoft.com/office/drawing/2014/main" id="{70A7E755-84BC-B7DE-5E9D-25DE6F1DC073}"/>
               </a:ext>
             </a:extLst>
           </p:cNvPr>
@@ -990,7 +990,7 @@
           <p:cNvPr id="3" name="文本占位符 2">
             <a:extLst>
               <a:ext uri="{FF2B5EF4-FFF2-40B4-BE49-F238E27FC236}">
-                <a16:creationId xmlns:a16="http://schemas.microsoft.com/office/drawing/2014/main" id="{96300345-A64B-7DA8-955F-461C2ED7D167}"/>
+                <a16:creationId xmlns:a16="http://schemas.microsoft.com/office/drawing/2014/main" id="{EC99DC4A-DFAA-DC57-2BFE-04B221E7D069}"/>
               </a:ext>
             </a:extLst>
           </p:cNvPr>
@@ -1115,7 +1115,7 @@
           <p:cNvPr id="4" name="日期占位符 3">
             <a:extLst>
               <a:ext uri="{FF2B5EF4-FFF2-40B4-BE49-F238E27FC236}">
-                <a16:creationId xmlns:a16="http://schemas.microsoft.com/office/drawing/2014/main" id="{A8FF1FA7-8881-A2E9-6653-E102E6E2EF8F}"/>
+                <a16:creationId xmlns:a16="http://schemas.microsoft.com/office/drawing/2014/main" id="{E700EC40-8389-F90A-A405-46CBA6690C29}"/>
               </a:ext>
             </a:extLst>
           </p:cNvPr>
@@ -1131,7 +1131,7 @@
           <a:bodyPr/>
           <a:lstStyle/>
           <a:p>
-            <a:fld id="{1D08710F-12CE-4EE5-BC9A-22646FD6EDA5}" type="datetimeFigureOut">
+            <a:fld id="{A4639DA8-D24B-4656-B1C1-64F402D92406}" type="datetimeFigureOut">
               <a:rPr lang="zh-CN" altLang="en-US" smtClean="0"/>
               <a:t>2024/3/10</a:t>
             </a:fld>
@@ -1144,7 +1144,7 @@
           <p:cNvPr id="5" name="页脚占位符 4">
             <a:extLst>
               <a:ext uri="{FF2B5EF4-FFF2-40B4-BE49-F238E27FC236}">
-                <a16:creationId xmlns:a16="http://schemas.microsoft.com/office/drawing/2014/main" id="{98E08C0E-ACF3-1820-6C01-E54448629CD5}"/>
+                <a16:creationId xmlns:a16="http://schemas.microsoft.com/office/drawing/2014/main" id="{949BA72E-25C8-2364-F419-C9A4302F501B}"/>
               </a:ext>
             </a:extLst>
           </p:cNvPr>
@@ -1169,7 +1169,7 @@
           <p:cNvPr id="6" name="灯片编号占位符 5">
             <a:extLst>
               <a:ext uri="{FF2B5EF4-FFF2-40B4-BE49-F238E27FC236}">
-                <a16:creationId xmlns:a16="http://schemas.microsoft.com/office/drawing/2014/main" id="{40A4A101-230B-5363-40B2-4EF701B736DB}"/>
+                <a16:creationId xmlns:a16="http://schemas.microsoft.com/office/drawing/2014/main" id="{3EC2D254-E7DA-7402-F617-BF9A82CB5C1B}"/>
               </a:ext>
             </a:extLst>
           </p:cNvPr>
@@ -1185,7 +1185,7 @@
           <a:bodyPr/>
           <a:lstStyle/>
           <a:p>
-            <a:fld id="{000FE893-535D-41EA-8226-C77C86EEE677}" type="slidenum">
+            <a:fld id="{5D4DAA4B-0667-4025-9687-F74C6FA7E0AD}" type="slidenum">
               <a:rPr lang="zh-CN" altLang="en-US" smtClean="0"/>
               <a:t>‹#›</a:t>
             </a:fld>
@@ -1196,7 +1196,7 @@
     </p:spTree>
     <p:extLst>
       <p:ext uri="{BB962C8B-B14F-4D97-AF65-F5344CB8AC3E}">
-        <p14:creationId xmlns:p14="http://schemas.microsoft.com/office/powerpoint/2010/main" val="236193374"/>
+        <p14:creationId xmlns:p14="http://schemas.microsoft.com/office/powerpoint/2010/main" val="4213830931"/>
       </p:ext>
     </p:extLst>
   </p:cSld>
@@ -1228,7 +1228,7 @@
           <p:cNvPr id="2" name="标题 1">
             <a:extLst>
               <a:ext uri="{FF2B5EF4-FFF2-40B4-BE49-F238E27FC236}">
-                <a16:creationId xmlns:a16="http://schemas.microsoft.com/office/drawing/2014/main" id="{9E5AB760-55C4-9FB0-7ABC-1DEF54C8069B}"/>
+                <a16:creationId xmlns:a16="http://schemas.microsoft.com/office/drawing/2014/main" id="{70B96A95-22C4-D5E4-7395-B3ADB8193A68}"/>
               </a:ext>
             </a:extLst>
           </p:cNvPr>
@@ -1256,7 +1256,7 @@
           <p:cNvPr id="3" name="内容占位符 2">
             <a:extLst>
               <a:ext uri="{FF2B5EF4-FFF2-40B4-BE49-F238E27FC236}">
-                <a16:creationId xmlns:a16="http://schemas.microsoft.com/office/drawing/2014/main" id="{CA356671-A68D-7D8A-246F-BAF5FCE50FC6}"/>
+                <a16:creationId xmlns:a16="http://schemas.microsoft.com/office/drawing/2014/main" id="{C9E41FFB-2B69-AD93-AA4A-9A899BC9C416}"/>
               </a:ext>
             </a:extLst>
           </p:cNvPr>
@@ -1318,7 +1318,7 @@
           <p:cNvPr id="4" name="内容占位符 3">
             <a:extLst>
               <a:ext uri="{FF2B5EF4-FFF2-40B4-BE49-F238E27FC236}">
-                <a16:creationId xmlns:a16="http://schemas.microsoft.com/office/drawing/2014/main" id="{85964A8E-87EC-CA4C-F45C-B356FB752A4F}"/>
+                <a16:creationId xmlns:a16="http://schemas.microsoft.com/office/drawing/2014/main" id="{44887C6D-DCF2-E4E1-065E-A543030910C7}"/>
               </a:ext>
             </a:extLst>
           </p:cNvPr>
@@ -1380,7 +1380,7 @@
           <p:cNvPr id="5" name="日期占位符 4">
             <a:extLst>
               <a:ext uri="{FF2B5EF4-FFF2-40B4-BE49-F238E27FC236}">
-                <a16:creationId xmlns:a16="http://schemas.microsoft.com/office/drawing/2014/main" id="{59162BFB-2DEF-0A5D-ACB6-90A8D888E275}"/>
+                <a16:creationId xmlns:a16="http://schemas.microsoft.com/office/drawing/2014/main" id="{2D43956B-8CF7-F2EA-9A70-87F0FA38216A}"/>
               </a:ext>
             </a:extLst>
           </p:cNvPr>
@@ -1396,7 +1396,7 @@
           <a:bodyPr/>
           <a:lstStyle/>
           <a:p>
-            <a:fld id="{1D08710F-12CE-4EE5-BC9A-22646FD6EDA5}" type="datetimeFigureOut">
+            <a:fld id="{A4639DA8-D24B-4656-B1C1-64F402D92406}" type="datetimeFigureOut">
               <a:rPr lang="zh-CN" altLang="en-US" smtClean="0"/>
               <a:t>2024/3/10</a:t>
             </a:fld>
@@ -1409,7 +1409,7 @@
           <p:cNvPr id="6" name="页脚占位符 5">
             <a:extLst>
               <a:ext uri="{FF2B5EF4-FFF2-40B4-BE49-F238E27FC236}">
-                <a16:creationId xmlns:a16="http://schemas.microsoft.com/office/drawing/2014/main" id="{0344A157-43A9-FC5A-6ECA-0AFD35845894}"/>
+                <a16:creationId xmlns:a16="http://schemas.microsoft.com/office/drawing/2014/main" id="{6628753A-2ED4-4029-D2B0-DBA65E661464}"/>
               </a:ext>
             </a:extLst>
           </p:cNvPr>
@@ -1434,7 +1434,7 @@
           <p:cNvPr id="7" name="灯片编号占位符 6">
             <a:extLst>
               <a:ext uri="{FF2B5EF4-FFF2-40B4-BE49-F238E27FC236}">
-                <a16:creationId xmlns:a16="http://schemas.microsoft.com/office/drawing/2014/main" id="{AD607BE2-DD6A-879D-D9F2-5BBAC3A298BC}"/>
+                <a16:creationId xmlns:a16="http://schemas.microsoft.com/office/drawing/2014/main" id="{BF4C2C15-4D58-B38D-2C38-987546A387FC}"/>
               </a:ext>
             </a:extLst>
           </p:cNvPr>
@@ -1450,7 +1450,7 @@
           <a:bodyPr/>
           <a:lstStyle/>
           <a:p>
-            <a:fld id="{000FE893-535D-41EA-8226-C77C86EEE677}" type="slidenum">
+            <a:fld id="{5D4DAA4B-0667-4025-9687-F74C6FA7E0AD}" type="slidenum">
               <a:rPr lang="zh-CN" altLang="en-US" smtClean="0"/>
               <a:t>‹#›</a:t>
             </a:fld>
@@ -1461,7 +1461,7 @@
     </p:spTree>
     <p:extLst>
       <p:ext uri="{BB962C8B-B14F-4D97-AF65-F5344CB8AC3E}">
-        <p14:creationId xmlns:p14="http://schemas.microsoft.com/office/powerpoint/2010/main" val="4058170738"/>
+        <p14:creationId xmlns:p14="http://schemas.microsoft.com/office/powerpoint/2010/main" val="2325062511"/>
       </p:ext>
     </p:extLst>
   </p:cSld>
@@ -1493,7 +1493,7 @@
           <p:cNvPr id="2" name="标题 1">
             <a:extLst>
               <a:ext uri="{FF2B5EF4-FFF2-40B4-BE49-F238E27FC236}">
-                <a16:creationId xmlns:a16="http://schemas.microsoft.com/office/drawing/2014/main" id="{13A8F42F-7912-7C91-B0F8-F988D1FFC238}"/>
+                <a16:creationId xmlns:a16="http://schemas.microsoft.com/office/drawing/2014/main" id="{B03CC1E2-CE12-3B79-6EC2-7085D1895B7F}"/>
               </a:ext>
             </a:extLst>
           </p:cNvPr>
@@ -1526,7 +1526,7 @@
           <p:cNvPr id="3" name="文本占位符 2">
             <a:extLst>
               <a:ext uri="{FF2B5EF4-FFF2-40B4-BE49-F238E27FC236}">
-                <a16:creationId xmlns:a16="http://schemas.microsoft.com/office/drawing/2014/main" id="{415A4D82-FAA7-480D-AC49-C0048EA275EA}"/>
+                <a16:creationId xmlns:a16="http://schemas.microsoft.com/office/drawing/2014/main" id="{E2866658-584B-5C67-9063-AA47D086207F}"/>
               </a:ext>
             </a:extLst>
           </p:cNvPr>
@@ -1597,7 +1597,7 @@
           <p:cNvPr id="4" name="内容占位符 3">
             <a:extLst>
               <a:ext uri="{FF2B5EF4-FFF2-40B4-BE49-F238E27FC236}">
-                <a16:creationId xmlns:a16="http://schemas.microsoft.com/office/drawing/2014/main" id="{C78CE5C0-6427-C48C-2C8B-6F55E904B5F9}"/>
+                <a16:creationId xmlns:a16="http://schemas.microsoft.com/office/drawing/2014/main" id="{365B3707-F3EB-5F41-3BE8-1A606D94D3D5}"/>
               </a:ext>
             </a:extLst>
           </p:cNvPr>
@@ -1659,7 +1659,7 @@
           <p:cNvPr id="5" name="文本占位符 4">
             <a:extLst>
               <a:ext uri="{FF2B5EF4-FFF2-40B4-BE49-F238E27FC236}">
-                <a16:creationId xmlns:a16="http://schemas.microsoft.com/office/drawing/2014/main" id="{4E1E031C-F01C-CF01-621D-738A8CACA93B}"/>
+                <a16:creationId xmlns:a16="http://schemas.microsoft.com/office/drawing/2014/main" id="{79E06DCD-950F-D093-3518-AC4B8D74586A}"/>
               </a:ext>
             </a:extLst>
           </p:cNvPr>
@@ -1730,7 +1730,7 @@
           <p:cNvPr id="6" name="内容占位符 5">
             <a:extLst>
               <a:ext uri="{FF2B5EF4-FFF2-40B4-BE49-F238E27FC236}">
-                <a16:creationId xmlns:a16="http://schemas.microsoft.com/office/drawing/2014/main" id="{39D2D1F6-F1F6-5EAC-A9D4-81F603462C76}"/>
+                <a16:creationId xmlns:a16="http://schemas.microsoft.com/office/drawing/2014/main" id="{4FB3CB5A-0A62-17CA-2B09-4EFA78ED74B0}"/>
               </a:ext>
             </a:extLst>
           </p:cNvPr>
@@ -1792,7 +1792,7 @@
           <p:cNvPr id="7" name="日期占位符 6">
             <a:extLst>
               <a:ext uri="{FF2B5EF4-FFF2-40B4-BE49-F238E27FC236}">
-                <a16:creationId xmlns:a16="http://schemas.microsoft.com/office/drawing/2014/main" id="{7D6F348C-00D9-D5E8-430A-B96E41C32403}"/>
+                <a16:creationId xmlns:a16="http://schemas.microsoft.com/office/drawing/2014/main" id="{73B3A528-DCAA-F152-1D58-056B72870CA5}"/>
               </a:ext>
             </a:extLst>
           </p:cNvPr>
@@ -1808,7 +1808,7 @@
           <a:bodyPr/>
           <a:lstStyle/>
           <a:p>
-            <a:fld id="{1D08710F-12CE-4EE5-BC9A-22646FD6EDA5}" type="datetimeFigureOut">
+            <a:fld id="{A4639DA8-D24B-4656-B1C1-64F402D92406}" type="datetimeFigureOut">
               <a:rPr lang="zh-CN" altLang="en-US" smtClean="0"/>
               <a:t>2024/3/10</a:t>
             </a:fld>
@@ -1821,7 +1821,7 @@
           <p:cNvPr id="8" name="页脚占位符 7">
             <a:extLst>
               <a:ext uri="{FF2B5EF4-FFF2-40B4-BE49-F238E27FC236}">
-                <a16:creationId xmlns:a16="http://schemas.microsoft.com/office/drawing/2014/main" id="{FB1CB56F-A3BA-3DB7-3969-E7FE392EE9EA}"/>
+                <a16:creationId xmlns:a16="http://schemas.microsoft.com/office/drawing/2014/main" id="{2588E61E-C020-B253-2C63-45F2C0EA548C}"/>
               </a:ext>
             </a:extLst>
           </p:cNvPr>
@@ -1846,7 +1846,7 @@
           <p:cNvPr id="9" name="灯片编号占位符 8">
             <a:extLst>
               <a:ext uri="{FF2B5EF4-FFF2-40B4-BE49-F238E27FC236}">
-                <a16:creationId xmlns:a16="http://schemas.microsoft.com/office/drawing/2014/main" id="{385B3BEF-457C-CB2E-967F-EBD9623FA5C8}"/>
+                <a16:creationId xmlns:a16="http://schemas.microsoft.com/office/drawing/2014/main" id="{2EAC7A36-3146-6D45-C3EC-8DFD137EEC12}"/>
               </a:ext>
             </a:extLst>
           </p:cNvPr>
@@ -1862,7 +1862,7 @@
           <a:bodyPr/>
           <a:lstStyle/>
           <a:p>
-            <a:fld id="{000FE893-535D-41EA-8226-C77C86EEE677}" type="slidenum">
+            <a:fld id="{5D4DAA4B-0667-4025-9687-F74C6FA7E0AD}" type="slidenum">
               <a:rPr lang="zh-CN" altLang="en-US" smtClean="0"/>
               <a:t>‹#›</a:t>
             </a:fld>
@@ -1873,7 +1873,7 @@
     </p:spTree>
     <p:extLst>
       <p:ext uri="{BB962C8B-B14F-4D97-AF65-F5344CB8AC3E}">
-        <p14:creationId xmlns:p14="http://schemas.microsoft.com/office/powerpoint/2010/main" val="3037780991"/>
+        <p14:creationId xmlns:p14="http://schemas.microsoft.com/office/powerpoint/2010/main" val="212087970"/>
       </p:ext>
     </p:extLst>
   </p:cSld>
@@ -1905,7 +1905,7 @@
           <p:cNvPr id="2" name="标题 1">
             <a:extLst>
               <a:ext uri="{FF2B5EF4-FFF2-40B4-BE49-F238E27FC236}">
-                <a16:creationId xmlns:a16="http://schemas.microsoft.com/office/drawing/2014/main" id="{B6EB4550-624E-9FDF-9EE9-22752DEE244C}"/>
+                <a16:creationId xmlns:a16="http://schemas.microsoft.com/office/drawing/2014/main" id="{BBBAC78B-32CD-238D-6147-E3C633C636A2}"/>
               </a:ext>
             </a:extLst>
           </p:cNvPr>
@@ -1933,7 +1933,7 @@
           <p:cNvPr id="3" name="日期占位符 2">
             <a:extLst>
               <a:ext uri="{FF2B5EF4-FFF2-40B4-BE49-F238E27FC236}">
-                <a16:creationId xmlns:a16="http://schemas.microsoft.com/office/drawing/2014/main" id="{45DCAB94-F2BE-F61B-8507-9D39B9C74D27}"/>
+                <a16:creationId xmlns:a16="http://schemas.microsoft.com/office/drawing/2014/main" id="{2948B016-3E1E-BE51-EE4B-E3BE4F73CA9B}"/>
               </a:ext>
             </a:extLst>
           </p:cNvPr>
@@ -1949,7 +1949,7 @@
           <a:bodyPr/>
           <a:lstStyle/>
           <a:p>
-            <a:fld id="{1D08710F-12CE-4EE5-BC9A-22646FD6EDA5}" type="datetimeFigureOut">
+            <a:fld id="{A4639DA8-D24B-4656-B1C1-64F402D92406}" type="datetimeFigureOut">
               <a:rPr lang="zh-CN" altLang="en-US" smtClean="0"/>
               <a:t>2024/3/10</a:t>
             </a:fld>
@@ -1962,7 +1962,7 @@
           <p:cNvPr id="4" name="页脚占位符 3">
             <a:extLst>
               <a:ext uri="{FF2B5EF4-FFF2-40B4-BE49-F238E27FC236}">
-                <a16:creationId xmlns:a16="http://schemas.microsoft.com/office/drawing/2014/main" id="{40F4790A-BE1C-B871-7EC7-49103BDA737C}"/>
+                <a16:creationId xmlns:a16="http://schemas.microsoft.com/office/drawing/2014/main" id="{A8DA736F-CEFF-4E08-7AE0-7B3BA3160EA9}"/>
               </a:ext>
             </a:extLst>
           </p:cNvPr>
@@ -1987,7 +1987,7 @@
           <p:cNvPr id="5" name="灯片编号占位符 4">
             <a:extLst>
               <a:ext uri="{FF2B5EF4-FFF2-40B4-BE49-F238E27FC236}">
-                <a16:creationId xmlns:a16="http://schemas.microsoft.com/office/drawing/2014/main" id="{1A19C462-4211-2DCC-DFC9-B3A7B7B64BF0}"/>
+                <a16:creationId xmlns:a16="http://schemas.microsoft.com/office/drawing/2014/main" id="{EE20922A-EA14-9CD9-AE90-913E181A4FB2}"/>
               </a:ext>
             </a:extLst>
           </p:cNvPr>
@@ -2003,7 +2003,7 @@
           <a:bodyPr/>
           <a:lstStyle/>
           <a:p>
-            <a:fld id="{000FE893-535D-41EA-8226-C77C86EEE677}" type="slidenum">
+            <a:fld id="{5D4DAA4B-0667-4025-9687-F74C6FA7E0AD}" type="slidenum">
               <a:rPr lang="zh-CN" altLang="en-US" smtClean="0"/>
               <a:t>‹#›</a:t>
             </a:fld>
@@ -2014,7 +2014,7 @@
     </p:spTree>
     <p:extLst>
       <p:ext uri="{BB962C8B-B14F-4D97-AF65-F5344CB8AC3E}">
-        <p14:creationId xmlns:p14="http://schemas.microsoft.com/office/powerpoint/2010/main" val="3128472722"/>
+        <p14:creationId xmlns:p14="http://schemas.microsoft.com/office/powerpoint/2010/main" val="3053788418"/>
       </p:ext>
     </p:extLst>
   </p:cSld>
@@ -2046,7 +2046,7 @@
           <p:cNvPr id="2" name="日期占位符 1">
             <a:extLst>
               <a:ext uri="{FF2B5EF4-FFF2-40B4-BE49-F238E27FC236}">
-                <a16:creationId xmlns:a16="http://schemas.microsoft.com/office/drawing/2014/main" id="{CE318165-96CB-86C7-5A56-653BB0BF4B8B}"/>
+                <a16:creationId xmlns:a16="http://schemas.microsoft.com/office/drawing/2014/main" id="{0EB562B3-F406-51FB-C770-F2A62B3D2345}"/>
               </a:ext>
             </a:extLst>
           </p:cNvPr>
@@ -2062,7 +2062,7 @@
           <a:bodyPr/>
           <a:lstStyle/>
           <a:p>
-            <a:fld id="{1D08710F-12CE-4EE5-BC9A-22646FD6EDA5}" type="datetimeFigureOut">
+            <a:fld id="{A4639DA8-D24B-4656-B1C1-64F402D92406}" type="datetimeFigureOut">
               <a:rPr lang="zh-CN" altLang="en-US" smtClean="0"/>
               <a:t>2024/3/10</a:t>
             </a:fld>
@@ -2075,7 +2075,7 @@
           <p:cNvPr id="3" name="页脚占位符 2">
             <a:extLst>
               <a:ext uri="{FF2B5EF4-FFF2-40B4-BE49-F238E27FC236}">
-                <a16:creationId xmlns:a16="http://schemas.microsoft.com/office/drawing/2014/main" id="{E650233E-F6B8-9277-9A2E-BD4F86A68E31}"/>
+                <a16:creationId xmlns:a16="http://schemas.microsoft.com/office/drawing/2014/main" id="{A02C194F-060C-F1E7-074F-DC95EEB40C6E}"/>
               </a:ext>
             </a:extLst>
           </p:cNvPr>
@@ -2100,7 +2100,7 @@
           <p:cNvPr id="4" name="灯片编号占位符 3">
             <a:extLst>
               <a:ext uri="{FF2B5EF4-FFF2-40B4-BE49-F238E27FC236}">
-                <a16:creationId xmlns:a16="http://schemas.microsoft.com/office/drawing/2014/main" id="{063D3283-CE30-965D-CF09-ED77E90CA501}"/>
+                <a16:creationId xmlns:a16="http://schemas.microsoft.com/office/drawing/2014/main" id="{DD05CF9B-788B-29CE-A237-EE80198DE8A8}"/>
               </a:ext>
             </a:extLst>
           </p:cNvPr>
@@ -2116,7 +2116,7 @@
           <a:bodyPr/>
           <a:lstStyle/>
           <a:p>
-            <a:fld id="{000FE893-535D-41EA-8226-C77C86EEE677}" type="slidenum">
+            <a:fld id="{5D4DAA4B-0667-4025-9687-F74C6FA7E0AD}" type="slidenum">
               <a:rPr lang="zh-CN" altLang="en-US" smtClean="0"/>
               <a:t>‹#›</a:t>
             </a:fld>
@@ -2127,7 +2127,7 @@
     </p:spTree>
     <p:extLst>
       <p:ext uri="{BB962C8B-B14F-4D97-AF65-F5344CB8AC3E}">
-        <p14:creationId xmlns:p14="http://schemas.microsoft.com/office/powerpoint/2010/main" val="326552315"/>
+        <p14:creationId xmlns:p14="http://schemas.microsoft.com/office/powerpoint/2010/main" val="2093733851"/>
       </p:ext>
     </p:extLst>
   </p:cSld>
@@ -2159,7 +2159,7 @@
           <p:cNvPr id="2" name="标题 1">
             <a:extLst>
               <a:ext uri="{FF2B5EF4-FFF2-40B4-BE49-F238E27FC236}">
-                <a16:creationId xmlns:a16="http://schemas.microsoft.com/office/drawing/2014/main" id="{5A7981EC-98BF-3999-B58C-C244CBB5C536}"/>
+                <a16:creationId xmlns:a16="http://schemas.microsoft.com/office/drawing/2014/main" id="{D8C9E97B-DC04-3F3A-7AAE-81E16003FD6D}"/>
               </a:ext>
             </a:extLst>
           </p:cNvPr>
@@ -2196,7 +2196,7 @@
           <p:cNvPr id="3" name="内容占位符 2">
             <a:extLst>
               <a:ext uri="{FF2B5EF4-FFF2-40B4-BE49-F238E27FC236}">
-                <a16:creationId xmlns:a16="http://schemas.microsoft.com/office/drawing/2014/main" id="{287CF11C-AFA0-9B9E-1058-E4A5935C18F2}"/>
+                <a16:creationId xmlns:a16="http://schemas.microsoft.com/office/drawing/2014/main" id="{F761A956-8948-714F-A805-10AA6A748604}"/>
               </a:ext>
             </a:extLst>
           </p:cNvPr>
@@ -2286,7 +2286,7 @@
           <p:cNvPr id="4" name="文本占位符 3">
             <a:extLst>
               <a:ext uri="{FF2B5EF4-FFF2-40B4-BE49-F238E27FC236}">
-                <a16:creationId xmlns:a16="http://schemas.microsoft.com/office/drawing/2014/main" id="{3EE77007-BDA5-DE93-7A66-FC82D28B35C6}"/>
+                <a16:creationId xmlns:a16="http://schemas.microsoft.com/office/drawing/2014/main" id="{BC3D50D1-C201-29AE-B638-A5C142923E0D}"/>
               </a:ext>
             </a:extLst>
           </p:cNvPr>
@@ -2357,7 +2357,7 @@
           <p:cNvPr id="5" name="日期占位符 4">
             <a:extLst>
               <a:ext uri="{FF2B5EF4-FFF2-40B4-BE49-F238E27FC236}">
-                <a16:creationId xmlns:a16="http://schemas.microsoft.com/office/drawing/2014/main" id="{C0EE23BF-645C-1E72-566A-B202B3495F00}"/>
+                <a16:creationId xmlns:a16="http://schemas.microsoft.com/office/drawing/2014/main" id="{04B07072-8454-B6D3-7FE1-FA49B76039B8}"/>
               </a:ext>
             </a:extLst>
           </p:cNvPr>
@@ -2373,7 +2373,7 @@
           <a:bodyPr/>
           <a:lstStyle/>
           <a:p>
-            <a:fld id="{1D08710F-12CE-4EE5-BC9A-22646FD6EDA5}" type="datetimeFigureOut">
+            <a:fld id="{A4639DA8-D24B-4656-B1C1-64F402D92406}" type="datetimeFigureOut">
               <a:rPr lang="zh-CN" altLang="en-US" smtClean="0"/>
               <a:t>2024/3/10</a:t>
             </a:fld>
@@ -2386,7 +2386,7 @@
           <p:cNvPr id="6" name="页脚占位符 5">
             <a:extLst>
               <a:ext uri="{FF2B5EF4-FFF2-40B4-BE49-F238E27FC236}">
-                <a16:creationId xmlns:a16="http://schemas.microsoft.com/office/drawing/2014/main" id="{5494BB36-4ABD-C050-7039-43D6D429139F}"/>
+                <a16:creationId xmlns:a16="http://schemas.microsoft.com/office/drawing/2014/main" id="{483FBA88-D56C-3B50-1172-6A0C36B11D9F}"/>
               </a:ext>
             </a:extLst>
           </p:cNvPr>
@@ -2411,7 +2411,7 @@
           <p:cNvPr id="7" name="灯片编号占位符 6">
             <a:extLst>
               <a:ext uri="{FF2B5EF4-FFF2-40B4-BE49-F238E27FC236}">
-                <a16:creationId xmlns:a16="http://schemas.microsoft.com/office/drawing/2014/main" id="{1FA2A172-3FC7-6C48-CBE4-FD9A5DC62135}"/>
+                <a16:creationId xmlns:a16="http://schemas.microsoft.com/office/drawing/2014/main" id="{41E4C048-0A51-2A3A-ED7C-1677B3CC517E}"/>
               </a:ext>
             </a:extLst>
           </p:cNvPr>
@@ -2427,7 +2427,7 @@
           <a:bodyPr/>
           <a:lstStyle/>
           <a:p>
-            <a:fld id="{000FE893-535D-41EA-8226-C77C86EEE677}" type="slidenum">
+            <a:fld id="{5D4DAA4B-0667-4025-9687-F74C6FA7E0AD}" type="slidenum">
               <a:rPr lang="zh-CN" altLang="en-US" smtClean="0"/>
               <a:t>‹#›</a:t>
             </a:fld>
@@ -2438,7 +2438,7 @@
     </p:spTree>
     <p:extLst>
       <p:ext uri="{BB962C8B-B14F-4D97-AF65-F5344CB8AC3E}">
-        <p14:creationId xmlns:p14="http://schemas.microsoft.com/office/powerpoint/2010/main" val="3675020960"/>
+        <p14:creationId xmlns:p14="http://schemas.microsoft.com/office/powerpoint/2010/main" val="92084080"/>
       </p:ext>
     </p:extLst>
   </p:cSld>
@@ -2470,7 +2470,7 @@
           <p:cNvPr id="2" name="标题 1">
             <a:extLst>
               <a:ext uri="{FF2B5EF4-FFF2-40B4-BE49-F238E27FC236}">
-                <a16:creationId xmlns:a16="http://schemas.microsoft.com/office/drawing/2014/main" id="{48A3D709-4207-3DBC-942A-62EB2F4A14C2}"/>
+                <a16:creationId xmlns:a16="http://schemas.microsoft.com/office/drawing/2014/main" id="{8111BC07-8ECE-3A3E-3D66-330104645AA2}"/>
               </a:ext>
             </a:extLst>
           </p:cNvPr>
@@ -2507,7 +2507,7 @@
           <p:cNvPr id="3" name="图片占位符 2">
             <a:extLst>
               <a:ext uri="{FF2B5EF4-FFF2-40B4-BE49-F238E27FC236}">
-                <a16:creationId xmlns:a16="http://schemas.microsoft.com/office/drawing/2014/main" id="{FF0BB16F-DCA3-5472-E94C-5A671C3C3A4E}"/>
+                <a16:creationId xmlns:a16="http://schemas.microsoft.com/office/drawing/2014/main" id="{73155432-F16B-44AF-0913-A1A67F010CF1}"/>
               </a:ext>
             </a:extLst>
           </p:cNvPr>
@@ -2574,7 +2574,7 @@
           <p:cNvPr id="4" name="文本占位符 3">
             <a:extLst>
               <a:ext uri="{FF2B5EF4-FFF2-40B4-BE49-F238E27FC236}">
-                <a16:creationId xmlns:a16="http://schemas.microsoft.com/office/drawing/2014/main" id="{DF7AD933-F637-CA5F-1113-389B1036C75D}"/>
+                <a16:creationId xmlns:a16="http://schemas.microsoft.com/office/drawing/2014/main" id="{E358569C-A418-A8AC-5B73-6A8EA6CD8EB2}"/>
               </a:ext>
             </a:extLst>
           </p:cNvPr>
@@ -2645,7 +2645,7 @@
           <p:cNvPr id="5" name="日期占位符 4">
             <a:extLst>
               <a:ext uri="{FF2B5EF4-FFF2-40B4-BE49-F238E27FC236}">
-                <a16:creationId xmlns:a16="http://schemas.microsoft.com/office/drawing/2014/main" id="{18265A33-52DD-6EBC-9426-5D90C1970CC9}"/>
+                <a16:creationId xmlns:a16="http://schemas.microsoft.com/office/drawing/2014/main" id="{0021DBDB-8E34-CCFC-CA29-50AAA30585AD}"/>
               </a:ext>
             </a:extLst>
           </p:cNvPr>
@@ -2661,7 +2661,7 @@
           <a:bodyPr/>
           <a:lstStyle/>
           <a:p>
-            <a:fld id="{1D08710F-12CE-4EE5-BC9A-22646FD6EDA5}" type="datetimeFigureOut">
+            <a:fld id="{A4639DA8-D24B-4656-B1C1-64F402D92406}" type="datetimeFigureOut">
               <a:rPr lang="zh-CN" altLang="en-US" smtClean="0"/>
               <a:t>2024/3/10</a:t>
             </a:fld>
@@ -2674,7 +2674,7 @@
           <p:cNvPr id="6" name="页脚占位符 5">
             <a:extLst>
               <a:ext uri="{FF2B5EF4-FFF2-40B4-BE49-F238E27FC236}">
-                <a16:creationId xmlns:a16="http://schemas.microsoft.com/office/drawing/2014/main" id="{A840D371-ED04-B30D-6344-5198CDF65901}"/>
+                <a16:creationId xmlns:a16="http://schemas.microsoft.com/office/drawing/2014/main" id="{FF37E883-E9DB-1CF7-4674-CFC05E472894}"/>
               </a:ext>
             </a:extLst>
           </p:cNvPr>
@@ -2699,7 +2699,7 @@
           <p:cNvPr id="7" name="灯片编号占位符 6">
             <a:extLst>
               <a:ext uri="{FF2B5EF4-FFF2-40B4-BE49-F238E27FC236}">
-                <a16:creationId xmlns:a16="http://schemas.microsoft.com/office/drawing/2014/main" id="{02575E17-1150-F673-D0F5-E7BF5462C694}"/>
+                <a16:creationId xmlns:a16="http://schemas.microsoft.com/office/drawing/2014/main" id="{3B02A26F-5DDA-CBE5-6A83-CD2787323801}"/>
               </a:ext>
             </a:extLst>
           </p:cNvPr>
@@ -2715,7 +2715,7 @@
           <a:bodyPr/>
           <a:lstStyle/>
           <a:p>
-            <a:fld id="{000FE893-535D-41EA-8226-C77C86EEE677}" type="slidenum">
+            <a:fld id="{5D4DAA4B-0667-4025-9687-F74C6FA7E0AD}" type="slidenum">
               <a:rPr lang="zh-CN" altLang="en-US" smtClean="0"/>
               <a:t>‹#›</a:t>
             </a:fld>
@@ -2726,7 +2726,7 @@
     </p:spTree>
     <p:extLst>
       <p:ext uri="{BB962C8B-B14F-4D97-AF65-F5344CB8AC3E}">
-        <p14:creationId xmlns:p14="http://schemas.microsoft.com/office/powerpoint/2010/main" val="737506766"/>
+        <p14:creationId xmlns:p14="http://schemas.microsoft.com/office/powerpoint/2010/main" val="352462190"/>
       </p:ext>
     </p:extLst>
   </p:cSld>
@@ -2763,7 +2763,7 @@
           <p:cNvPr id="2" name="标题占位符 1">
             <a:extLst>
               <a:ext uri="{FF2B5EF4-FFF2-40B4-BE49-F238E27FC236}">
-                <a16:creationId xmlns:a16="http://schemas.microsoft.com/office/drawing/2014/main" id="{05B77C67-EB64-C289-A71C-C8EB776011C7}"/>
+                <a16:creationId xmlns:a16="http://schemas.microsoft.com/office/drawing/2014/main" id="{68FB9D67-46E0-4BE1-8C95-DCFD16416CC5}"/>
               </a:ext>
             </a:extLst>
           </p:cNvPr>
@@ -2801,7 +2801,7 @@
           <p:cNvPr id="3" name="文本占位符 2">
             <a:extLst>
               <a:ext uri="{FF2B5EF4-FFF2-40B4-BE49-F238E27FC236}">
-                <a16:creationId xmlns:a16="http://schemas.microsoft.com/office/drawing/2014/main" id="{6E8EC708-5A48-8E3B-E3DB-EC2C5DDF3A51}"/>
+                <a16:creationId xmlns:a16="http://schemas.microsoft.com/office/drawing/2014/main" id="{5EB6B5EF-FBEA-6F5F-3CD4-512FDA1266CA}"/>
               </a:ext>
             </a:extLst>
           </p:cNvPr>
@@ -2868,7 +2868,7 @@
           <p:cNvPr id="4" name="日期占位符 3">
             <a:extLst>
               <a:ext uri="{FF2B5EF4-FFF2-40B4-BE49-F238E27FC236}">
-                <a16:creationId xmlns:a16="http://schemas.microsoft.com/office/drawing/2014/main" id="{B2CC7FAE-3ECB-B50E-23DD-ED476DDEE128}"/>
+                <a16:creationId xmlns:a16="http://schemas.microsoft.com/office/drawing/2014/main" id="{D0C9FDAA-E38D-AFBD-E432-3044420E4FE8}"/>
               </a:ext>
             </a:extLst>
           </p:cNvPr>
@@ -2902,7 +2902,7 @@
             </a:lvl1pPr>
           </a:lstStyle>
           <a:p>
-            <a:fld id="{1D08710F-12CE-4EE5-BC9A-22646FD6EDA5}" type="datetimeFigureOut">
+            <a:fld id="{A4639DA8-D24B-4656-B1C1-64F402D92406}" type="datetimeFigureOut">
               <a:rPr lang="zh-CN" altLang="en-US" smtClean="0"/>
               <a:t>2024/3/10</a:t>
             </a:fld>
@@ -2915,7 +2915,7 @@
           <p:cNvPr id="5" name="页脚占位符 4">
             <a:extLst>
               <a:ext uri="{FF2B5EF4-FFF2-40B4-BE49-F238E27FC236}">
-                <a16:creationId xmlns:a16="http://schemas.microsoft.com/office/drawing/2014/main" id="{09F36706-99CF-211B-760D-046B2E19C04D}"/>
+                <a16:creationId xmlns:a16="http://schemas.microsoft.com/office/drawing/2014/main" id="{5AB28AF0-6E11-1585-F7FA-6B04047078B5}"/>
               </a:ext>
             </a:extLst>
           </p:cNvPr>
@@ -2958,7 +2958,7 @@
           <p:cNvPr id="6" name="灯片编号占位符 5">
             <a:extLst>
               <a:ext uri="{FF2B5EF4-FFF2-40B4-BE49-F238E27FC236}">
-                <a16:creationId xmlns:a16="http://schemas.microsoft.com/office/drawing/2014/main" id="{7AF5F2BC-C218-EE2D-A56D-B9134510EF6E}"/>
+                <a16:creationId xmlns:a16="http://schemas.microsoft.com/office/drawing/2014/main" id="{60EEA55A-BA0F-9EC6-030C-290D4C7598B3}"/>
               </a:ext>
             </a:extLst>
           </p:cNvPr>
@@ -2992,7 +2992,7 @@
             </a:lvl1pPr>
           </a:lstStyle>
           <a:p>
-            <a:fld id="{000FE893-535D-41EA-8226-C77C86EEE677}" type="slidenum">
+            <a:fld id="{5D4DAA4B-0667-4025-9687-F74C6FA7E0AD}" type="slidenum">
               <a:rPr lang="zh-CN" altLang="en-US" smtClean="0"/>
               <a:t>‹#›</a:t>
             </a:fld>
@@ -3003,7 +3003,7 @@
     </p:spTree>
     <p:extLst>
       <p:ext uri="{BB962C8B-B14F-4D97-AF65-F5344CB8AC3E}">
-        <p14:creationId xmlns:p14="http://schemas.microsoft.com/office/powerpoint/2010/main" val="1146938792"/>
+        <p14:creationId xmlns:p14="http://schemas.microsoft.com/office/powerpoint/2010/main" val="3714876155"/>
       </p:ext>
     </p:extLst>
   </p:cSld>
@@ -3323,7 +3323,7 @@
       </p:grpSpPr>
       <p:pic>
         <p:nvPicPr>
-          <p:cNvPr id="1533954" name="Picture 2" descr="1497"/>
+          <p:cNvPr id="1534978" name="Picture 2" descr="1498"/>
           <p:cNvPicPr>
             <a:picLocks noChangeAspect="1" noChangeArrowheads="1"/>
           </p:cNvPicPr>
@@ -3345,7 +3345,7 @@
         <p:spPr bwMode="auto">
           <a:xfrm>
             <a:off x="1524000" y="0"/>
-            <a:ext cx="9144000" cy="4076700"/>
+            <a:ext cx="9144000" cy="6858000"/>
           </a:xfrm>
           <a:prstGeom prst="rect">
             <a:avLst/>
